--- a/images/graphics.pptx
+++ b/images/graphics.pptx
@@ -118,7 +118,7 @@
 <file path=ppt/revisionInfo.xml><?xml version="1.0" encoding="utf-8"?>
 <p1510:revInfo xmlns:a="http://schemas.openxmlformats.org/drawingml/2006/main" xmlns:r="http://schemas.openxmlformats.org/officeDocument/2006/relationships" xmlns:p1510="http://schemas.microsoft.com/office/powerpoint/2015/10/main">
   <p1510:revLst>
-    <p1510:client id="{70ADED4C-3A24-43A6-9D9C-4B6E9A36BEF1}" v="57" dt="2024-03-23T19:00:33.588"/>
+    <p1510:client id="{55CC6AD4-8EC0-4E52-95B9-3A0243E5D589}" v="5" dt="2024-04-11T06:18:08.725"/>
   </p1510:revLst>
 </p1510:revInfo>
 </file>
@@ -359,6 +359,126 @@
           <pc:docMk/>
           <pc:sldMk cId="1425886101" sldId="259"/>
         </pc:sldMkLst>
+      </pc:sldChg>
+    </pc:docChg>
+  </pc:docChgLst>
+  <pc:docChgLst>
+    <pc:chgData name="Jeff DuBois" userId="1f1b6eac9468f35d" providerId="LiveId" clId="{55CC6AD4-8EC0-4E52-95B9-3A0243E5D589}"/>
+    <pc:docChg chg="undo custSel modSld">
+      <pc:chgData name="Jeff DuBois" userId="1f1b6eac9468f35d" providerId="LiveId" clId="{55CC6AD4-8EC0-4E52-95B9-3A0243E5D589}" dt="2024-04-15T23:26:07.565" v="62" actId="1076"/>
+      <pc:docMkLst>
+        <pc:docMk/>
+      </pc:docMkLst>
+      <pc:sldChg chg="addSp delSp modSp mod">
+        <pc:chgData name="Jeff DuBois" userId="1f1b6eac9468f35d" providerId="LiveId" clId="{55CC6AD4-8EC0-4E52-95B9-3A0243E5D589}" dt="2024-04-15T23:26:07.565" v="62" actId="1076"/>
+        <pc:sldMkLst>
+          <pc:docMk/>
+          <pc:sldMk cId="4025045419" sldId="257"/>
+        </pc:sldMkLst>
+        <pc:spChg chg="add mod">
+          <ac:chgData name="Jeff DuBois" userId="1f1b6eac9468f35d" providerId="LiveId" clId="{55CC6AD4-8EC0-4E52-95B9-3A0243E5D589}" dt="2024-04-15T23:25:50.440" v="55" actId="1076"/>
+          <ac:spMkLst>
+            <pc:docMk/>
+            <pc:sldMk cId="4025045419" sldId="257"/>
+            <ac:spMk id="16" creationId="{B395D815-C819-B0F6-4848-33131C8531C7}"/>
+          </ac:spMkLst>
+        </pc:spChg>
+        <pc:spChg chg="add mod">
+          <ac:chgData name="Jeff DuBois" userId="1f1b6eac9468f35d" providerId="LiveId" clId="{55CC6AD4-8EC0-4E52-95B9-3A0243E5D589}" dt="2024-04-15T23:26:04.785" v="61" actId="1076"/>
+          <ac:spMkLst>
+            <pc:docMk/>
+            <pc:sldMk cId="4025045419" sldId="257"/>
+            <ac:spMk id="22" creationId="{265F9C9C-5D23-4965-11BD-85D7A7FE4859}"/>
+          </ac:spMkLst>
+        </pc:spChg>
+        <pc:spChg chg="add mod">
+          <ac:chgData name="Jeff DuBois" userId="1f1b6eac9468f35d" providerId="LiveId" clId="{55CC6AD4-8EC0-4E52-95B9-3A0243E5D589}" dt="2024-04-15T23:26:07.565" v="62" actId="1076"/>
+          <ac:spMkLst>
+            <pc:docMk/>
+            <pc:sldMk cId="4025045419" sldId="257"/>
+            <ac:spMk id="23" creationId="{B76E224E-0B36-918B-58C0-0425ADCA0490}"/>
+          </ac:spMkLst>
+        </pc:spChg>
+        <pc:picChg chg="add del mod">
+          <ac:chgData name="Jeff DuBois" userId="1f1b6eac9468f35d" providerId="LiveId" clId="{55CC6AD4-8EC0-4E52-95B9-3A0243E5D589}" dt="2024-04-15T22:53:08.177" v="49" actId="478"/>
+          <ac:picMkLst>
+            <pc:docMk/>
+            <pc:sldMk cId="4025045419" sldId="257"/>
+            <ac:picMk id="2" creationId="{3B725100-CC66-73B8-18B0-CE391C75E49B}"/>
+          </ac:picMkLst>
+        </pc:picChg>
+        <pc:picChg chg="add del mod">
+          <ac:chgData name="Jeff DuBois" userId="1f1b6eac9468f35d" providerId="LiveId" clId="{55CC6AD4-8EC0-4E52-95B9-3A0243E5D589}" dt="2024-04-15T22:53:08.177" v="49" actId="478"/>
+          <ac:picMkLst>
+            <pc:docMk/>
+            <pc:sldMk cId="4025045419" sldId="257"/>
+            <ac:picMk id="3" creationId="{DC84D9D3-CABA-7410-8E08-019B55B52F75}"/>
+          </ac:picMkLst>
+        </pc:picChg>
+        <pc:picChg chg="mod">
+          <ac:chgData name="Jeff DuBois" userId="1f1b6eac9468f35d" providerId="LiveId" clId="{55CC6AD4-8EC0-4E52-95B9-3A0243E5D589}" dt="2024-04-15T22:54:20.233" v="50" actId="207"/>
+          <ac:picMkLst>
+            <pc:docMk/>
+            <pc:sldMk cId="4025045419" sldId="257"/>
+            <ac:picMk id="5" creationId="{EDC12108-F817-ADDF-66CF-4ADBACDD5E54}"/>
+          </ac:picMkLst>
+        </pc:picChg>
+        <pc:picChg chg="add del mod">
+          <ac:chgData name="Jeff DuBois" userId="1f1b6eac9468f35d" providerId="LiveId" clId="{55CC6AD4-8EC0-4E52-95B9-3A0243E5D589}" dt="2024-04-15T22:53:08.177" v="49" actId="478"/>
+          <ac:picMkLst>
+            <pc:docMk/>
+            <pc:sldMk cId="4025045419" sldId="257"/>
+            <ac:picMk id="9" creationId="{A890D743-15FE-A515-981E-63C0104A6E2E}"/>
+          </ac:picMkLst>
+        </pc:picChg>
+        <pc:picChg chg="mod">
+          <ac:chgData name="Jeff DuBois" userId="1f1b6eac9468f35d" providerId="LiveId" clId="{55CC6AD4-8EC0-4E52-95B9-3A0243E5D589}" dt="2024-04-15T23:00:22.096" v="54" actId="207"/>
+          <ac:picMkLst>
+            <pc:docMk/>
+            <pc:sldMk cId="4025045419" sldId="257"/>
+            <ac:picMk id="11" creationId="{DAA2BD66-07AB-DEA0-5983-4DA053F59D42}"/>
+          </ac:picMkLst>
+        </pc:picChg>
+        <pc:picChg chg="mod">
+          <ac:chgData name="Jeff DuBois" userId="1f1b6eac9468f35d" providerId="LiveId" clId="{55CC6AD4-8EC0-4E52-95B9-3A0243E5D589}" dt="2024-04-15T22:55:28.410" v="52" actId="207"/>
+          <ac:picMkLst>
+            <pc:docMk/>
+            <pc:sldMk cId="4025045419" sldId="257"/>
+            <ac:picMk id="12" creationId="{573AC777-5C1B-F08B-FC9D-F3871B58E6AD}"/>
+          </ac:picMkLst>
+        </pc:picChg>
+        <pc:picChg chg="mod">
+          <ac:chgData name="Jeff DuBois" userId="1f1b6eac9468f35d" providerId="LiveId" clId="{55CC6AD4-8EC0-4E52-95B9-3A0243E5D589}" dt="2024-04-15T22:54:53.913" v="51" actId="207"/>
+          <ac:picMkLst>
+            <pc:docMk/>
+            <pc:sldMk cId="4025045419" sldId="257"/>
+            <ac:picMk id="13" creationId="{1B2826DC-BBFF-83BE-08DF-A9025422E3F6}"/>
+          </ac:picMkLst>
+        </pc:picChg>
+        <pc:picChg chg="add del mod">
+          <ac:chgData name="Jeff DuBois" userId="1f1b6eac9468f35d" providerId="LiveId" clId="{55CC6AD4-8EC0-4E52-95B9-3A0243E5D589}" dt="2024-04-15T22:53:08.177" v="49" actId="478"/>
+          <ac:picMkLst>
+            <pc:docMk/>
+            <pc:sldMk cId="4025045419" sldId="257"/>
+            <ac:picMk id="14" creationId="{7D76A327-393A-AC78-0DD3-692F9D2410AA}"/>
+          </ac:picMkLst>
+        </pc:picChg>
+        <pc:picChg chg="add del mod">
+          <ac:chgData name="Jeff DuBois" userId="1f1b6eac9468f35d" providerId="LiveId" clId="{55CC6AD4-8EC0-4E52-95B9-3A0243E5D589}" dt="2024-04-15T22:53:08.177" v="49" actId="478"/>
+          <ac:picMkLst>
+            <pc:docMk/>
+            <pc:sldMk cId="4025045419" sldId="257"/>
+            <ac:picMk id="15" creationId="{5E439B28-DFBE-D492-7D11-26C5F5C92FBB}"/>
+          </ac:picMkLst>
+        </pc:picChg>
+        <pc:picChg chg="del mod">
+          <ac:chgData name="Jeff DuBois" userId="1f1b6eac9468f35d" providerId="LiveId" clId="{55CC6AD4-8EC0-4E52-95B9-3A0243E5D589}" dt="2024-04-15T22:53:08.177" v="49" actId="478"/>
+          <ac:picMkLst>
+            <pc:docMk/>
+            <pc:sldMk cId="4025045419" sldId="257"/>
+            <ac:picMk id="25" creationId="{1DCB7625-947D-9A40-91A6-5F24AC562F5E}"/>
+          </ac:picMkLst>
+        </pc:picChg>
       </pc:sldChg>
     </pc:docChg>
   </pc:docChgLst>
@@ -773,7 +893,7 @@
           <a:p>
             <a:fld id="{7A921DB6-B109-4FC3-836F-121BC7B40519}" type="datetimeFigureOut">
               <a:rPr lang="en-US" smtClean="0"/>
-              <a:t>3/23/2024</a:t>
+              <a:t>4/13/2024</a:t>
             </a:fld>
             <a:endParaRPr lang="en-US"/>
           </a:p>
@@ -971,7 +1091,7 @@
           <a:p>
             <a:fld id="{7A921DB6-B109-4FC3-836F-121BC7B40519}" type="datetimeFigureOut">
               <a:rPr lang="en-US" smtClean="0"/>
-              <a:t>3/23/2024</a:t>
+              <a:t>4/13/2024</a:t>
             </a:fld>
             <a:endParaRPr lang="en-US"/>
           </a:p>
@@ -1179,7 +1299,7 @@
           <a:p>
             <a:fld id="{7A921DB6-B109-4FC3-836F-121BC7B40519}" type="datetimeFigureOut">
               <a:rPr lang="en-US" smtClean="0"/>
-              <a:t>3/23/2024</a:t>
+              <a:t>4/13/2024</a:t>
             </a:fld>
             <a:endParaRPr lang="en-US"/>
           </a:p>
@@ -1377,7 +1497,7 @@
           <a:p>
             <a:fld id="{7A921DB6-B109-4FC3-836F-121BC7B40519}" type="datetimeFigureOut">
               <a:rPr lang="en-US" smtClean="0"/>
-              <a:t>3/23/2024</a:t>
+              <a:t>4/13/2024</a:t>
             </a:fld>
             <a:endParaRPr lang="en-US"/>
           </a:p>
@@ -1652,7 +1772,7 @@
           <a:p>
             <a:fld id="{7A921DB6-B109-4FC3-836F-121BC7B40519}" type="datetimeFigureOut">
               <a:rPr lang="en-US" smtClean="0"/>
-              <a:t>3/23/2024</a:t>
+              <a:t>4/13/2024</a:t>
             </a:fld>
             <a:endParaRPr lang="en-US"/>
           </a:p>
@@ -1917,7 +2037,7 @@
           <a:p>
             <a:fld id="{7A921DB6-B109-4FC3-836F-121BC7B40519}" type="datetimeFigureOut">
               <a:rPr lang="en-US" smtClean="0"/>
-              <a:t>3/23/2024</a:t>
+              <a:t>4/13/2024</a:t>
             </a:fld>
             <a:endParaRPr lang="en-US"/>
           </a:p>
@@ -2329,7 +2449,7 @@
           <a:p>
             <a:fld id="{7A921DB6-B109-4FC3-836F-121BC7B40519}" type="datetimeFigureOut">
               <a:rPr lang="en-US" smtClean="0"/>
-              <a:t>3/23/2024</a:t>
+              <a:t>4/13/2024</a:t>
             </a:fld>
             <a:endParaRPr lang="en-US"/>
           </a:p>
@@ -2470,7 +2590,7 @@
           <a:p>
             <a:fld id="{7A921DB6-B109-4FC3-836F-121BC7B40519}" type="datetimeFigureOut">
               <a:rPr lang="en-US" smtClean="0"/>
-              <a:t>3/23/2024</a:t>
+              <a:t>4/13/2024</a:t>
             </a:fld>
             <a:endParaRPr lang="en-US"/>
           </a:p>
@@ -2583,7 +2703,7 @@
           <a:p>
             <a:fld id="{7A921DB6-B109-4FC3-836F-121BC7B40519}" type="datetimeFigureOut">
               <a:rPr lang="en-US" smtClean="0"/>
-              <a:t>3/23/2024</a:t>
+              <a:t>4/13/2024</a:t>
             </a:fld>
             <a:endParaRPr lang="en-US"/>
           </a:p>
@@ -2894,7 +3014,7 @@
           <a:p>
             <a:fld id="{7A921DB6-B109-4FC3-836F-121BC7B40519}" type="datetimeFigureOut">
               <a:rPr lang="en-US" smtClean="0"/>
-              <a:t>3/23/2024</a:t>
+              <a:t>4/13/2024</a:t>
             </a:fld>
             <a:endParaRPr lang="en-US"/>
           </a:p>
@@ -3182,7 +3302,7 @@
           <a:p>
             <a:fld id="{7A921DB6-B109-4FC3-836F-121BC7B40519}" type="datetimeFigureOut">
               <a:rPr lang="en-US" smtClean="0"/>
-              <a:t>3/23/2024</a:t>
+              <a:t>4/13/2024</a:t>
             </a:fld>
             <a:endParaRPr lang="en-US"/>
           </a:p>
@@ -3423,7 +3543,7 @@
           <a:p>
             <a:fld id="{7A921DB6-B109-4FC3-836F-121BC7B40519}" type="datetimeFigureOut">
               <a:rPr lang="en-US" smtClean="0"/>
-              <a:t>3/23/2024</a:t>
+              <a:t>4/13/2024</a:t>
             </a:fld>
             <a:endParaRPr lang="en-US"/>
           </a:p>
@@ -4383,10 +4503,10 @@
       </p:pic>
       <p:pic>
         <p:nvPicPr>
-          <p:cNvPr id="25" name="Graphic 24" descr="First aid kit with solid fill">
-            <a:extLst>
-              <a:ext uri="{FF2B5EF4-FFF2-40B4-BE49-F238E27FC236}">
-                <a16:creationId xmlns:a16="http://schemas.microsoft.com/office/drawing/2014/main" id="{1DCB7625-947D-9A40-91A6-5F24AC562F5E}"/>
+          <p:cNvPr id="29" name="Graphic 28" descr="Magnifying glass with solid fill">
+            <a:extLst>
+              <a:ext uri="{FF2B5EF4-FFF2-40B4-BE49-F238E27FC236}">
+                <a16:creationId xmlns:a16="http://schemas.microsoft.com/office/drawing/2014/main" id="{A06FD0D6-BC45-571C-A293-5C6F5B43C3E9}"/>
               </a:ext>
             </a:extLst>
           </p:cNvPr>
@@ -4403,45 +4523,6 @@
               </a:ext>
               <a:ext uri="{96DAC541-7B7A-43D3-8B79-37D633B846F1}">
                 <asvg:svgBlip xmlns:asvg="http://schemas.microsoft.com/office/drawing/2016/SVG/main" r:embed="rId9"/>
-              </a:ext>
-            </a:extLst>
-          </a:blip>
-          <a:stretch>
-            <a:fillRect/>
-          </a:stretch>
-        </p:blipFill>
-        <p:spPr>
-          <a:xfrm>
-            <a:off x="9746343" y="3429000"/>
-            <a:ext cx="914400" cy="914400"/>
-          </a:xfrm>
-          <a:prstGeom prst="rect">
-            <a:avLst/>
-          </a:prstGeom>
-        </p:spPr>
-      </p:pic>
-      <p:pic>
-        <p:nvPicPr>
-          <p:cNvPr id="29" name="Graphic 28" descr="Magnifying glass with solid fill">
-            <a:extLst>
-              <a:ext uri="{FF2B5EF4-FFF2-40B4-BE49-F238E27FC236}">
-                <a16:creationId xmlns:a16="http://schemas.microsoft.com/office/drawing/2014/main" id="{A06FD0D6-BC45-571C-A293-5C6F5B43C3E9}"/>
-              </a:ext>
-            </a:extLst>
-          </p:cNvPr>
-          <p:cNvPicPr>
-            <a:picLocks noChangeAspect="1"/>
-          </p:cNvPicPr>
-          <p:nvPr/>
-        </p:nvPicPr>
-        <p:blipFill>
-          <a:blip r:embed="rId10">
-            <a:extLst>
-              <a:ext uri="{28A0092B-C50C-407E-A947-70E740481C1C}">
-                <a14:useLocalDpi xmlns:a14="http://schemas.microsoft.com/office/drawing/2010/main" val="0"/>
-              </a:ext>
-              <a:ext uri="{96DAC541-7B7A-43D3-8B79-37D633B846F1}">
-                <asvg:svgBlip xmlns:asvg="http://schemas.microsoft.com/office/drawing/2016/SVG/main" r:embed="rId11"/>
               </a:ext>
             </a:extLst>
           </a:blip>
@@ -4474,13 +4555,13 @@
           <p:nvPr/>
         </p:nvPicPr>
         <p:blipFill>
-          <a:blip r:embed="rId12">
+          <a:blip r:embed="rId10">
             <a:extLst>
               <a:ext uri="{28A0092B-C50C-407E-A947-70E740481C1C}">
                 <a14:useLocalDpi xmlns:a14="http://schemas.microsoft.com/office/drawing/2010/main" val="0"/>
               </a:ext>
               <a:ext uri="{96DAC541-7B7A-43D3-8B79-37D633B846F1}">
-                <asvg:svgBlip xmlns:asvg="http://schemas.microsoft.com/office/drawing/2016/SVG/main" r:embed="rId13"/>
+                <asvg:svgBlip xmlns:asvg="http://schemas.microsoft.com/office/drawing/2016/SVG/main" r:embed="rId11"/>
               </a:ext>
             </a:extLst>
           </a:blip>
@@ -4513,13 +4594,13 @@
           <p:nvPr/>
         </p:nvPicPr>
         <p:blipFill>
-          <a:blip r:embed="rId14">
+          <a:blip r:embed="rId12">
             <a:extLst>
               <a:ext uri="{28A0092B-C50C-407E-A947-70E740481C1C}">
                 <a14:useLocalDpi xmlns:a14="http://schemas.microsoft.com/office/drawing/2010/main" val="0"/>
               </a:ext>
               <a:ext uri="{96DAC541-7B7A-43D3-8B79-37D633B846F1}">
-                <asvg:svgBlip xmlns:asvg="http://schemas.microsoft.com/office/drawing/2016/SVG/main" r:embed="rId15"/>
+                <asvg:svgBlip xmlns:asvg="http://schemas.microsoft.com/office/drawing/2016/SVG/main" r:embed="rId13"/>
               </a:ext>
             </a:extLst>
           </a:blip>
@@ -4552,13 +4633,13 @@
           <p:nvPr/>
         </p:nvPicPr>
         <p:blipFill>
-          <a:blip r:embed="rId16">
+          <a:blip r:embed="rId14">
             <a:extLst>
               <a:ext uri="{28A0092B-C50C-407E-A947-70E740481C1C}">
                 <a14:useLocalDpi xmlns:a14="http://schemas.microsoft.com/office/drawing/2010/main" val="0"/>
               </a:ext>
               <a:ext uri="{96DAC541-7B7A-43D3-8B79-37D633B846F1}">
-                <asvg:svgBlip xmlns:asvg="http://schemas.microsoft.com/office/drawing/2016/SVG/main" r:embed="rId17"/>
+                <asvg:svgBlip xmlns:asvg="http://schemas.microsoft.com/office/drawing/2016/SVG/main" r:embed="rId15"/>
               </a:ext>
             </a:extLst>
           </a:blip>
@@ -4591,13 +4672,13 @@
           <p:nvPr/>
         </p:nvPicPr>
         <p:blipFill>
-          <a:blip r:embed="rId18">
+          <a:blip r:embed="rId16">
             <a:extLst>
               <a:ext uri="{28A0092B-C50C-407E-A947-70E740481C1C}">
                 <a14:useLocalDpi xmlns:a14="http://schemas.microsoft.com/office/drawing/2010/main" val="0"/>
               </a:ext>
               <a:ext uri="{96DAC541-7B7A-43D3-8B79-37D633B846F1}">
-                <asvg:svgBlip xmlns:asvg="http://schemas.microsoft.com/office/drawing/2016/SVG/main" r:embed="rId19"/>
+                <asvg:svgBlip xmlns:asvg="http://schemas.microsoft.com/office/drawing/2016/SVG/main" r:embed="rId17"/>
               </a:ext>
             </a:extLst>
           </a:blip>
@@ -4630,13 +4711,13 @@
           <p:nvPr/>
         </p:nvPicPr>
         <p:blipFill>
-          <a:blip r:embed="rId20">
+          <a:blip r:embed="rId18">
             <a:extLst>
               <a:ext uri="{28A0092B-C50C-407E-A947-70E740481C1C}">
                 <a14:useLocalDpi xmlns:a14="http://schemas.microsoft.com/office/drawing/2010/main" val="0"/>
               </a:ext>
               <a:ext uri="{96DAC541-7B7A-43D3-8B79-37D633B846F1}">
-                <asvg:svgBlip xmlns:asvg="http://schemas.microsoft.com/office/drawing/2016/SVG/main" r:embed="rId21"/>
+                <asvg:svgBlip xmlns:asvg="http://schemas.microsoft.com/office/drawing/2016/SVG/main" r:embed="rId19"/>
               </a:ext>
             </a:extLst>
           </a:blip>
@@ -4669,13 +4750,13 @@
           <p:nvPr/>
         </p:nvPicPr>
         <p:blipFill>
-          <a:blip r:embed="rId22">
+          <a:blip r:embed="rId20">
             <a:extLst>
               <a:ext uri="{28A0092B-C50C-407E-A947-70E740481C1C}">
                 <a14:useLocalDpi xmlns:a14="http://schemas.microsoft.com/office/drawing/2010/main" val="0"/>
               </a:ext>
               <a:ext uri="{96DAC541-7B7A-43D3-8B79-37D633B846F1}">
-                <asvg:svgBlip xmlns:asvg="http://schemas.microsoft.com/office/drawing/2016/SVG/main" r:embed="rId23"/>
+                <asvg:svgBlip xmlns:asvg="http://schemas.microsoft.com/office/drawing/2016/SVG/main" r:embed="rId21"/>
               </a:ext>
             </a:extLst>
           </a:blip>
@@ -4708,13 +4789,13 @@
           <p:nvPr/>
         </p:nvPicPr>
         <p:blipFill>
-          <a:blip r:embed="rId24">
+          <a:blip r:embed="rId22">
             <a:extLst>
               <a:ext uri="{28A0092B-C50C-407E-A947-70E740481C1C}">
                 <a14:useLocalDpi xmlns:a14="http://schemas.microsoft.com/office/drawing/2010/main" val="0"/>
               </a:ext>
               <a:ext uri="{96DAC541-7B7A-43D3-8B79-37D633B846F1}">
-                <asvg:svgBlip xmlns:asvg="http://schemas.microsoft.com/office/drawing/2016/SVG/main" r:embed="rId25"/>
+                <asvg:svgBlip xmlns:asvg="http://schemas.microsoft.com/office/drawing/2016/SVG/main" r:embed="rId23"/>
               </a:ext>
             </a:extLst>
           </a:blip>
@@ -4747,13 +4828,13 @@
           <p:nvPr/>
         </p:nvPicPr>
         <p:blipFill>
-          <a:blip r:embed="rId26">
+          <a:blip r:embed="rId24">
             <a:extLst>
               <a:ext uri="{28A0092B-C50C-407E-A947-70E740481C1C}">
                 <a14:useLocalDpi xmlns:a14="http://schemas.microsoft.com/office/drawing/2010/main" val="0"/>
               </a:ext>
               <a:ext uri="{96DAC541-7B7A-43D3-8B79-37D633B846F1}">
-                <asvg:svgBlip xmlns:asvg="http://schemas.microsoft.com/office/drawing/2016/SVG/main" r:embed="rId27"/>
+                <asvg:svgBlip xmlns:asvg="http://schemas.microsoft.com/office/drawing/2016/SVG/main" r:embed="rId25"/>
               </a:ext>
             </a:extLst>
           </a:blip>
@@ -4888,6 +4969,162 @@
               </a:rPr>
               <a:t>Button Pressed or Disabled</a:t>
             </a:r>
+          </a:p>
+        </p:txBody>
+      </p:sp>
+      <p:sp>
+        <p:nvSpPr>
+          <p:cNvPr id="16" name="Oval 15">
+            <a:extLst>
+              <a:ext uri="{FF2B5EF4-FFF2-40B4-BE49-F238E27FC236}">
+                <a16:creationId xmlns:a16="http://schemas.microsoft.com/office/drawing/2014/main" id="{B395D815-C819-B0F6-4848-33131C8531C7}"/>
+              </a:ext>
+            </a:extLst>
+          </p:cNvPr>
+          <p:cNvSpPr/>
+          <p:nvPr/>
+        </p:nvSpPr>
+        <p:spPr>
+          <a:xfrm>
+            <a:off x="6327761" y="895193"/>
+            <a:ext cx="91440" cy="91440"/>
+          </a:xfrm>
+          <a:prstGeom prst="ellipse">
+            <a:avLst/>
+          </a:prstGeom>
+          <a:solidFill>
+            <a:srgbClr val="E78A06"/>
+          </a:solidFill>
+          <a:ln>
+            <a:noFill/>
+          </a:ln>
+        </p:spPr>
+        <p:style>
+          <a:lnRef idx="2">
+            <a:schemeClr val="accent1">
+              <a:shade val="15000"/>
+            </a:schemeClr>
+          </a:lnRef>
+          <a:fillRef idx="1">
+            <a:schemeClr val="accent1"/>
+          </a:fillRef>
+          <a:effectRef idx="0">
+            <a:schemeClr val="accent1"/>
+          </a:effectRef>
+          <a:fontRef idx="minor">
+            <a:schemeClr val="lt1"/>
+          </a:fontRef>
+        </p:style>
+        <p:txBody>
+          <a:bodyPr rtlCol="0" anchor="ctr"/>
+          <a:lstStyle/>
+          <a:p>
+            <a:pPr algn="ctr"/>
+            <a:endParaRPr lang="en-US"/>
+          </a:p>
+        </p:txBody>
+      </p:sp>
+      <p:sp>
+        <p:nvSpPr>
+          <p:cNvPr id="22" name="Oval 21">
+            <a:extLst>
+              <a:ext uri="{FF2B5EF4-FFF2-40B4-BE49-F238E27FC236}">
+                <a16:creationId xmlns:a16="http://schemas.microsoft.com/office/drawing/2014/main" id="{265F9C9C-5D23-4965-11BD-85D7A7FE4859}"/>
+              </a:ext>
+            </a:extLst>
+          </p:cNvPr>
+          <p:cNvSpPr/>
+          <p:nvPr/>
+        </p:nvSpPr>
+        <p:spPr>
+          <a:xfrm>
+            <a:off x="6373481" y="1470148"/>
+            <a:ext cx="91440" cy="91440"/>
+          </a:xfrm>
+          <a:prstGeom prst="ellipse">
+            <a:avLst/>
+          </a:prstGeom>
+          <a:solidFill>
+            <a:srgbClr val="6700A2"/>
+          </a:solidFill>
+          <a:ln>
+            <a:noFill/>
+          </a:ln>
+        </p:spPr>
+        <p:style>
+          <a:lnRef idx="2">
+            <a:schemeClr val="accent1">
+              <a:shade val="15000"/>
+            </a:schemeClr>
+          </a:lnRef>
+          <a:fillRef idx="1">
+            <a:schemeClr val="accent1"/>
+          </a:fillRef>
+          <a:effectRef idx="0">
+            <a:schemeClr val="accent1"/>
+          </a:effectRef>
+          <a:fontRef idx="minor">
+            <a:schemeClr val="lt1"/>
+          </a:fontRef>
+        </p:style>
+        <p:txBody>
+          <a:bodyPr rtlCol="0" anchor="ctr"/>
+          <a:lstStyle/>
+          <a:p>
+            <a:pPr algn="ctr"/>
+            <a:endParaRPr lang="en-US"/>
+          </a:p>
+        </p:txBody>
+      </p:sp>
+      <p:sp>
+        <p:nvSpPr>
+          <p:cNvPr id="23" name="Oval 22">
+            <a:extLst>
+              <a:ext uri="{FF2B5EF4-FFF2-40B4-BE49-F238E27FC236}">
+                <a16:creationId xmlns:a16="http://schemas.microsoft.com/office/drawing/2014/main" id="{B76E224E-0B36-918B-58C0-0425ADCA0490}"/>
+              </a:ext>
+            </a:extLst>
+          </p:cNvPr>
+          <p:cNvSpPr/>
+          <p:nvPr/>
+        </p:nvSpPr>
+        <p:spPr>
+          <a:xfrm>
+            <a:off x="6327761" y="1176522"/>
+            <a:ext cx="91440" cy="91440"/>
+          </a:xfrm>
+          <a:prstGeom prst="ellipse">
+            <a:avLst/>
+          </a:prstGeom>
+          <a:solidFill>
+            <a:srgbClr val="D90000"/>
+          </a:solidFill>
+          <a:ln>
+            <a:noFill/>
+          </a:ln>
+        </p:spPr>
+        <p:style>
+          <a:lnRef idx="2">
+            <a:schemeClr val="accent1">
+              <a:shade val="15000"/>
+            </a:schemeClr>
+          </a:lnRef>
+          <a:fillRef idx="1">
+            <a:schemeClr val="accent1"/>
+          </a:fillRef>
+          <a:effectRef idx="0">
+            <a:schemeClr val="accent1"/>
+          </a:effectRef>
+          <a:fontRef idx="minor">
+            <a:schemeClr val="lt1"/>
+          </a:fontRef>
+        </p:style>
+        <p:txBody>
+          <a:bodyPr rtlCol="0" anchor="ctr"/>
+          <a:lstStyle/>
+          <a:p>
+            <a:pPr algn="ctr"/>
+            <a:endParaRPr lang="en-US"/>
           </a:p>
         </p:txBody>
       </p:sp>
